--- a/presentations/survey.pptx
+++ b/presentations/survey.pptx
@@ -109,6 +109,11 @@
       </a:defRPr>
     </a:lvl9pPr>
   </p:defaultTextStyle>
+  <p:extLst>
+    <p:ext uri="{EFAFB233-063F-42B5-8137-9DF3F51BA10A}">
+      <p15:sldGuideLst xmlns:p15="http://schemas.microsoft.com/office/powerpoint/2012/main"/>
+    </p:ext>
+  </p:extLst>
 </p:presentation>
 </file>
 
@@ -615,13 +620,14 @@
             <a:endParaRPr lang="en-US" dirty="0"/>
           </a:p>
           <a:p>
-            <a:r>
-              <a:rPr lang="en-US" b="0" i="0" dirty="0">
-                <a:solidFill>
-                  <a:srgbClr val="0000FF"/>
-                </a:solidFill>
-                <a:effectLst/>
-                <a:latin typeface="Monaco"/>
+            <a:pPr algn="l"/>
+            <a:r>
+              <a:rPr lang="en-US" b="0" i="0" dirty="0">
+                <a:solidFill>
+                  <a:srgbClr val="0000FF"/>
+                </a:solidFill>
+                <a:effectLst/>
+                <a:latin typeface="Helvetica Neue"/>
               </a:rPr>
               <a:t>&lt;survey </a:t>
             </a:r>
@@ -631,7 +637,7 @@
                   <a:srgbClr val="FF0000"/>
                 </a:solidFill>
                 <a:effectLst/>
-                <a:latin typeface="Monaco"/>
+                <a:latin typeface="Helvetica Neue"/>
               </a:rPr>
               <a:t>id</a:t>
             </a:r>
@@ -641,7 +647,7 @@
                   <a:srgbClr val="0000FF"/>
                 </a:solidFill>
                 <a:effectLst/>
-                <a:latin typeface="Monaco"/>
+                <a:latin typeface="Helvetica Neue"/>
               </a:rPr>
               <a:t>=</a:t>
             </a:r>
@@ -651,7 +657,7 @@
                   <a:srgbClr val="A31515"/>
                 </a:solidFill>
                 <a:effectLst/>
-                <a:latin typeface="Monaco"/>
+                <a:latin typeface="Helvetica Neue"/>
               </a:rPr>
               <a:t>"2"</a:t>
             </a:r>
@@ -661,17 +667,17 @@
                   <a:srgbClr val="0000FF"/>
                 </a:solidFill>
                 <a:effectLst/>
-                <a:latin typeface="Monaco"/>
+                <a:latin typeface="Helvetica Neue"/>
               </a:rPr>
               <a:t>&gt;</a:t>
             </a:r>
             <a:r>
               <a:rPr lang="en-US" b="0" i="0" dirty="0">
                 <a:solidFill>
-                  <a:srgbClr val="000000"/>
-                </a:solidFill>
-                <a:effectLst/>
-                <a:latin typeface="Monaco"/>
+                  <a:srgbClr val="404040"/>
+                </a:solidFill>
+                <a:effectLst/>
+                <a:latin typeface="Helvetica Neue"/>
               </a:rPr>
               <a:t> </a:t>
             </a:r>
@@ -681,17 +687,17 @@
                   <a:srgbClr val="0000FF"/>
                 </a:solidFill>
                 <a:effectLst/>
-                <a:latin typeface="Monaco"/>
+                <a:latin typeface="Helvetica Neue"/>
               </a:rPr>
               <a:t>&lt;pin&gt;</a:t>
             </a:r>
             <a:r>
               <a:rPr lang="en-US" b="0" i="0" dirty="0">
                 <a:solidFill>
-                  <a:srgbClr val="000000"/>
-                </a:solidFill>
-                <a:effectLst/>
-                <a:latin typeface="Monaco"/>
+                  <a:srgbClr val="404040"/>
+                </a:solidFill>
+                <a:effectLst/>
+                <a:latin typeface="Helvetica Neue"/>
               </a:rPr>
               <a:t>xx69xx</a:t>
             </a:r>
@@ -701,17 +707,17 @@
                   <a:srgbClr val="0000FF"/>
                 </a:solidFill>
                 <a:effectLst/>
-                <a:latin typeface="Monaco"/>
+                <a:latin typeface="Helvetica Neue"/>
               </a:rPr>
               <a:t>&lt;/pin&gt;</a:t>
             </a:r>
             <a:r>
               <a:rPr lang="en-US" b="0" i="0" dirty="0">
                 <a:solidFill>
-                  <a:srgbClr val="000000"/>
-                </a:solidFill>
-                <a:effectLst/>
-                <a:latin typeface="Monaco"/>
+                  <a:srgbClr val="404040"/>
+                </a:solidFill>
+                <a:effectLst/>
+                <a:latin typeface="Helvetica Neue"/>
               </a:rPr>
               <a:t> </a:t>
             </a:r>
@@ -721,17 +727,17 @@
                   <a:srgbClr val="0000FF"/>
                 </a:solidFill>
                 <a:effectLst/>
-                <a:latin typeface="Monaco"/>
+                <a:latin typeface="Helvetica Neue"/>
               </a:rPr>
               <a:t>&lt;type&gt;</a:t>
             </a:r>
             <a:r>
               <a:rPr lang="en-US" b="0" i="0" dirty="0">
                 <a:solidFill>
-                  <a:srgbClr val="000000"/>
-                </a:solidFill>
-                <a:effectLst/>
-                <a:latin typeface="Monaco"/>
+                  <a:srgbClr val="404040"/>
+                </a:solidFill>
+                <a:effectLst/>
+                <a:latin typeface="Helvetica Neue"/>
               </a:rPr>
               <a:t>auto</a:t>
             </a:r>
@@ -741,17 +747,17 @@
                   <a:srgbClr val="0000FF"/>
                 </a:solidFill>
                 <a:effectLst/>
-                <a:latin typeface="Monaco"/>
+                <a:latin typeface="Helvetica Neue"/>
               </a:rPr>
               <a:t>&lt;/type&gt;</a:t>
             </a:r>
             <a:r>
               <a:rPr lang="en-US" b="0" i="0" dirty="0">
                 <a:solidFill>
-                  <a:srgbClr val="000000"/>
-                </a:solidFill>
-                <a:effectLst/>
-                <a:latin typeface="Monaco"/>
+                  <a:srgbClr val="404040"/>
+                </a:solidFill>
+                <a:effectLst/>
+                <a:latin typeface="Helvetica Neue"/>
               </a:rPr>
               <a:t> </a:t>
             </a:r>
@@ -761,17 +767,17 @@
                   <a:srgbClr val="0000FF"/>
                 </a:solidFill>
                 <a:effectLst/>
-                <a:latin typeface="Monaco"/>
+                <a:latin typeface="Helvetica Neue"/>
               </a:rPr>
               <a:t>&lt;questions&gt;</a:t>
             </a:r>
             <a:r>
               <a:rPr lang="en-US" b="0" i="0" dirty="0">
                 <a:solidFill>
-                  <a:srgbClr val="000000"/>
-                </a:solidFill>
-                <a:effectLst/>
-                <a:latin typeface="Monaco"/>
+                  <a:srgbClr val="404040"/>
+                </a:solidFill>
+                <a:effectLst/>
+                <a:latin typeface="Helvetica Neue"/>
               </a:rPr>
               <a:t> </a:t>
             </a:r>
@@ -781,17 +787,17 @@
                   <a:srgbClr val="0000FF"/>
                 </a:solidFill>
                 <a:effectLst/>
-                <a:latin typeface="Monaco"/>
+                <a:latin typeface="Helvetica Neue"/>
               </a:rPr>
               <a:t>&lt;question&gt;</a:t>
             </a:r>
             <a:r>
               <a:rPr lang="en-US" b="0" i="0" dirty="0">
                 <a:solidFill>
-                  <a:srgbClr val="000000"/>
-                </a:solidFill>
-                <a:effectLst/>
-                <a:latin typeface="Monaco"/>
+                  <a:srgbClr val="404040"/>
+                </a:solidFill>
+                <a:effectLst/>
+                <a:latin typeface="Helvetica Neue"/>
               </a:rPr>
               <a:t> </a:t>
             </a:r>
@@ -801,37 +807,37 @@
                   <a:srgbClr val="0000FF"/>
                 </a:solidFill>
                 <a:effectLst/>
-                <a:latin typeface="Monaco"/>
+                <a:latin typeface="Helvetica Neue"/>
               </a:rPr>
               <a:t>&lt;q&gt;</a:t>
             </a:r>
             <a:r>
               <a:rPr lang="en-US" b="0" i="0" dirty="0">
                 <a:solidFill>
-                  <a:srgbClr val="000000"/>
-                </a:solidFill>
-                <a:effectLst/>
-                <a:latin typeface="Monaco"/>
+                  <a:srgbClr val="404040"/>
+                </a:solidFill>
+                <a:effectLst/>
+                <a:latin typeface="Helvetica Neue"/>
               </a:rPr>
               <a:t>What is the first letter of the </a:t>
             </a:r>
             <a:r>
               <a:rPr lang="en-US" b="0" i="0" dirty="0" err="1">
                 <a:solidFill>
-                  <a:srgbClr val="000000"/>
-                </a:solidFill>
-                <a:effectLst/>
-                <a:latin typeface="Monaco"/>
+                  <a:srgbClr val="404040"/>
+                </a:solidFill>
+                <a:effectLst/>
+                <a:latin typeface="Helvetica Neue"/>
               </a:rPr>
               <a:t>english</a:t>
             </a:r>
             <a:r>
               <a:rPr lang="en-US" b="0" i="0" dirty="0">
                 <a:solidFill>
-                  <a:srgbClr val="000000"/>
-                </a:solidFill>
-                <a:effectLst/>
-                <a:latin typeface="Monaco"/>
+                  <a:srgbClr val="404040"/>
+                </a:solidFill>
+                <a:effectLst/>
+                <a:latin typeface="Helvetica Neue"/>
               </a:rPr>
               <a:t> alphabet?</a:t>
             </a:r>
@@ -841,17 +847,17 @@
                   <a:srgbClr val="0000FF"/>
                 </a:solidFill>
                 <a:effectLst/>
-                <a:latin typeface="Monaco"/>
+                <a:latin typeface="Helvetica Neue"/>
               </a:rPr>
               <a:t>&lt;/q&gt;</a:t>
             </a:r>
             <a:r>
               <a:rPr lang="en-US" b="0" i="0" dirty="0">
                 <a:solidFill>
-                  <a:srgbClr val="000000"/>
-                </a:solidFill>
-                <a:effectLst/>
-                <a:latin typeface="Monaco"/>
+                  <a:srgbClr val="404040"/>
+                </a:solidFill>
+                <a:effectLst/>
+                <a:latin typeface="Helvetica Neue"/>
               </a:rPr>
               <a:t> </a:t>
             </a:r>
@@ -861,7 +867,7 @@
                   <a:srgbClr val="0000FF"/>
                 </a:solidFill>
                 <a:effectLst/>
-                <a:latin typeface="Monaco"/>
+                <a:latin typeface="Helvetica Neue"/>
               </a:rPr>
               <a:t>&lt;</a:t>
             </a:r>
@@ -871,7 +877,47 @@
                   <a:srgbClr val="0000FF"/>
                 </a:solidFill>
                 <a:effectLst/>
-                <a:latin typeface="Monaco"/>
+                <a:latin typeface="Helvetica Neue"/>
+              </a:rPr>
+              <a:t>validoptions</a:t>
+            </a:r>
+            <a:r>
+              <a:rPr lang="en-US" b="0" i="0" dirty="0">
+                <a:solidFill>
+                  <a:srgbClr val="0000FF"/>
+                </a:solidFill>
+                <a:effectLst/>
+                <a:latin typeface="Helvetica Neue"/>
+              </a:rPr>
+              <a:t>&gt;</a:t>
+            </a:r>
+            <a:r>
+              <a:rPr lang="en-US" b="0" i="0" dirty="0">
+                <a:solidFill>
+                  <a:srgbClr val="404040"/>
+                </a:solidFill>
+                <a:effectLst/>
+                <a:latin typeface="Helvetica Neue"/>
+              </a:rPr>
+              <a:t> </a:t>
+            </a:r>
+            <a:r>
+              <a:rPr lang="en-US" b="0" i="0" dirty="0">
+                <a:solidFill>
+                  <a:srgbClr val="0000FF"/>
+                </a:solidFill>
+                <a:effectLst/>
+                <a:latin typeface="Helvetica Neue"/>
+              </a:rPr>
+              <a:t>&lt;</a:t>
+            </a:r>
+            <a:r>
+              <a:rPr lang="en-US" b="0" i="0" dirty="0" err="1">
+                <a:solidFill>
+                  <a:srgbClr val="0000FF"/>
+                </a:solidFill>
+                <a:effectLst/>
+                <a:latin typeface="Helvetica Neue"/>
               </a:rPr>
               <a:t>validoption</a:t>
             </a:r>
@@ -881,17 +927,17 @@
                   <a:srgbClr val="0000FF"/>
                 </a:solidFill>
                 <a:effectLst/>
-                <a:latin typeface="Monaco"/>
+                <a:latin typeface="Helvetica Neue"/>
               </a:rPr>
               <a:t>&gt;</a:t>
             </a:r>
             <a:r>
               <a:rPr lang="en-US" b="0" i="0" dirty="0">
                 <a:solidFill>
-                  <a:srgbClr val="000000"/>
-                </a:solidFill>
-                <a:effectLst/>
-                <a:latin typeface="Monaco"/>
+                  <a:srgbClr val="404040"/>
+                </a:solidFill>
+                <a:effectLst/>
+                <a:latin typeface="Helvetica Neue"/>
               </a:rPr>
               <a:t>1</a:t>
             </a:r>
@@ -901,7 +947,7 @@
                   <a:srgbClr val="0000FF"/>
                 </a:solidFill>
                 <a:effectLst/>
-                <a:latin typeface="Monaco"/>
+                <a:latin typeface="Helvetica Neue"/>
               </a:rPr>
               <a:t>&lt;/</a:t>
             </a:r>
@@ -911,7 +957,7 @@
                   <a:srgbClr val="0000FF"/>
                 </a:solidFill>
                 <a:effectLst/>
-                <a:latin typeface="Monaco"/>
+                <a:latin typeface="Helvetica Neue"/>
               </a:rPr>
               <a:t>validoption</a:t>
             </a:r>
@@ -921,17 +967,17 @@
                   <a:srgbClr val="0000FF"/>
                 </a:solidFill>
                 <a:effectLst/>
-                <a:latin typeface="Monaco"/>
+                <a:latin typeface="Helvetica Neue"/>
               </a:rPr>
               <a:t>&gt;</a:t>
             </a:r>
             <a:r>
               <a:rPr lang="en-US" b="0" i="0" dirty="0">
                 <a:solidFill>
-                  <a:srgbClr val="000000"/>
-                </a:solidFill>
-                <a:effectLst/>
-                <a:latin typeface="Monaco"/>
+                  <a:srgbClr val="404040"/>
+                </a:solidFill>
+                <a:effectLst/>
+                <a:latin typeface="Helvetica Neue"/>
               </a:rPr>
               <a:t> </a:t>
             </a:r>
@@ -941,17 +987,57 @@
                   <a:srgbClr val="0000FF"/>
                 </a:solidFill>
                 <a:effectLst/>
-                <a:latin typeface="Monaco"/>
+                <a:latin typeface="Helvetica Neue"/>
+              </a:rPr>
+              <a:t>&lt;/</a:t>
+            </a:r>
+            <a:r>
+              <a:rPr lang="en-US" b="0" i="0" dirty="0" err="1">
+                <a:solidFill>
+                  <a:srgbClr val="0000FF"/>
+                </a:solidFill>
+                <a:effectLst/>
+                <a:latin typeface="Helvetica Neue"/>
+              </a:rPr>
+              <a:t>validoptions</a:t>
+            </a:r>
+            <a:r>
+              <a:rPr lang="en-US" b="0" i="0" dirty="0">
+                <a:solidFill>
+                  <a:srgbClr val="0000FF"/>
+                </a:solidFill>
+                <a:effectLst/>
+                <a:latin typeface="Helvetica Neue"/>
+              </a:rPr>
+              <a:t>&gt;</a:t>
+            </a:r>
+            <a:r>
+              <a:rPr lang="en-US" b="0" i="0" dirty="0">
+                <a:solidFill>
+                  <a:srgbClr val="404040"/>
+                </a:solidFill>
+                <a:effectLst/>
+                <a:latin typeface="Helvetica Neue"/>
+              </a:rPr>
+              <a:t> </a:t>
+            </a:r>
+            <a:r>
+              <a:rPr lang="en-US" b="0" i="0" dirty="0">
+                <a:solidFill>
+                  <a:srgbClr val="0000FF"/>
+                </a:solidFill>
+                <a:effectLst/>
+                <a:latin typeface="Helvetica Neue"/>
               </a:rPr>
               <a:t>&lt;options&gt;</a:t>
             </a:r>
             <a:r>
               <a:rPr lang="en-US" b="0" i="0" dirty="0">
                 <a:solidFill>
-                  <a:srgbClr val="000000"/>
-                </a:solidFill>
-                <a:effectLst/>
-                <a:latin typeface="Monaco"/>
+                  <a:srgbClr val="404040"/>
+                </a:solidFill>
+                <a:effectLst/>
+                <a:latin typeface="Helvetica Neue"/>
               </a:rPr>
               <a:t> </a:t>
             </a:r>
@@ -961,17 +1047,17 @@
                   <a:srgbClr val="0000FF"/>
                 </a:solidFill>
                 <a:effectLst/>
-                <a:latin typeface="Monaco"/>
+                <a:latin typeface="Helvetica Neue"/>
               </a:rPr>
               <a:t>&lt;o&gt;</a:t>
             </a:r>
             <a:r>
               <a:rPr lang="en-US" b="0" i="0" dirty="0">
                 <a:solidFill>
-                  <a:srgbClr val="000000"/>
-                </a:solidFill>
-                <a:effectLst/>
-                <a:latin typeface="Monaco"/>
+                  <a:srgbClr val="404040"/>
+                </a:solidFill>
+                <a:effectLst/>
+                <a:latin typeface="Helvetica Neue"/>
               </a:rPr>
               <a:t>A</a:t>
             </a:r>
@@ -981,17 +1067,17 @@
                   <a:srgbClr val="0000FF"/>
                 </a:solidFill>
                 <a:effectLst/>
-                <a:latin typeface="Monaco"/>
+                <a:latin typeface="Helvetica Neue"/>
               </a:rPr>
               <a:t>&lt;/o&gt;</a:t>
             </a:r>
             <a:r>
               <a:rPr lang="en-US" b="0" i="0" dirty="0">
                 <a:solidFill>
-                  <a:srgbClr val="000000"/>
-                </a:solidFill>
-                <a:effectLst/>
-                <a:latin typeface="Monaco"/>
+                  <a:srgbClr val="404040"/>
+                </a:solidFill>
+                <a:effectLst/>
+                <a:latin typeface="Helvetica Neue"/>
               </a:rPr>
               <a:t> </a:t>
             </a:r>
@@ -1001,17 +1087,17 @@
                   <a:srgbClr val="0000FF"/>
                 </a:solidFill>
                 <a:effectLst/>
-                <a:latin typeface="Monaco"/>
+                <a:latin typeface="Helvetica Neue"/>
               </a:rPr>
               <a:t>&lt;o&gt;</a:t>
             </a:r>
             <a:r>
               <a:rPr lang="en-US" b="0" i="0" dirty="0">
                 <a:solidFill>
-                  <a:srgbClr val="000000"/>
-                </a:solidFill>
-                <a:effectLst/>
-                <a:latin typeface="Monaco"/>
+                  <a:srgbClr val="404040"/>
+                </a:solidFill>
+                <a:effectLst/>
+                <a:latin typeface="Helvetica Neue"/>
               </a:rPr>
               <a:t>B</a:t>
             </a:r>
@@ -1021,17 +1107,17 @@
                   <a:srgbClr val="0000FF"/>
                 </a:solidFill>
                 <a:effectLst/>
-                <a:latin typeface="Monaco"/>
+                <a:latin typeface="Helvetica Neue"/>
               </a:rPr>
               <a:t>&lt;/o&gt;</a:t>
             </a:r>
             <a:r>
               <a:rPr lang="en-US" b="0" i="0" dirty="0">
                 <a:solidFill>
-                  <a:srgbClr val="000000"/>
-                </a:solidFill>
-                <a:effectLst/>
-                <a:latin typeface="Monaco"/>
+                  <a:srgbClr val="404040"/>
+                </a:solidFill>
+                <a:effectLst/>
+                <a:latin typeface="Helvetica Neue"/>
               </a:rPr>
               <a:t> </a:t>
             </a:r>
@@ -1041,17 +1127,17 @@
                   <a:srgbClr val="0000FF"/>
                 </a:solidFill>
                 <a:effectLst/>
-                <a:latin typeface="Monaco"/>
+                <a:latin typeface="Helvetica Neue"/>
               </a:rPr>
               <a:t>&lt;o&gt;</a:t>
             </a:r>
             <a:r>
               <a:rPr lang="en-US" b="0" i="0" dirty="0">
                 <a:solidFill>
-                  <a:srgbClr val="000000"/>
-                </a:solidFill>
-                <a:effectLst/>
-                <a:latin typeface="Monaco"/>
+                  <a:srgbClr val="404040"/>
+                </a:solidFill>
+                <a:effectLst/>
+                <a:latin typeface="Helvetica Neue"/>
               </a:rPr>
               <a:t>C</a:t>
             </a:r>
@@ -1061,17 +1147,17 @@
                   <a:srgbClr val="0000FF"/>
                 </a:solidFill>
                 <a:effectLst/>
-                <a:latin typeface="Monaco"/>
+                <a:latin typeface="Helvetica Neue"/>
               </a:rPr>
               <a:t>&lt;/o&gt;</a:t>
             </a:r>
             <a:r>
               <a:rPr lang="en-US" b="0" i="0" dirty="0">
                 <a:solidFill>
-                  <a:srgbClr val="000000"/>
-                </a:solidFill>
-                <a:effectLst/>
-                <a:latin typeface="Monaco"/>
+                  <a:srgbClr val="404040"/>
+                </a:solidFill>
+                <a:effectLst/>
+                <a:latin typeface="Helvetica Neue"/>
               </a:rPr>
               <a:t> </a:t>
             </a:r>
@@ -1081,17 +1167,17 @@
                   <a:srgbClr val="0000FF"/>
                 </a:solidFill>
                 <a:effectLst/>
-                <a:latin typeface="Monaco"/>
+                <a:latin typeface="Helvetica Neue"/>
               </a:rPr>
               <a:t>&lt;/options&gt;</a:t>
             </a:r>
             <a:r>
               <a:rPr lang="en-US" b="0" i="0" dirty="0">
                 <a:solidFill>
-                  <a:srgbClr val="000000"/>
-                </a:solidFill>
-                <a:effectLst/>
-                <a:latin typeface="Monaco"/>
+                  <a:srgbClr val="404040"/>
+                </a:solidFill>
+                <a:effectLst/>
+                <a:latin typeface="Helvetica Neue"/>
               </a:rPr>
               <a:t> </a:t>
             </a:r>
@@ -1101,17 +1187,17 @@
                   <a:srgbClr val="0000FF"/>
                 </a:solidFill>
                 <a:effectLst/>
-                <a:latin typeface="Monaco"/>
+                <a:latin typeface="Helvetica Neue"/>
               </a:rPr>
               <a:t>&lt;/question&gt;</a:t>
             </a:r>
             <a:r>
               <a:rPr lang="en-US" b="0" i="0" dirty="0">
                 <a:solidFill>
-                  <a:srgbClr val="000000"/>
-                </a:solidFill>
-                <a:effectLst/>
-                <a:latin typeface="Monaco"/>
+                  <a:srgbClr val="404040"/>
+                </a:solidFill>
+                <a:effectLst/>
+                <a:latin typeface="Helvetica Neue"/>
               </a:rPr>
               <a:t> </a:t>
             </a:r>
@@ -1121,17 +1207,17 @@
                   <a:srgbClr val="0000FF"/>
                 </a:solidFill>
                 <a:effectLst/>
-                <a:latin typeface="Monaco"/>
+                <a:latin typeface="Helvetica Neue"/>
               </a:rPr>
               <a:t>&lt;question&gt;</a:t>
             </a:r>
             <a:r>
               <a:rPr lang="en-US" b="0" i="0" dirty="0">
                 <a:solidFill>
-                  <a:srgbClr val="000000"/>
-                </a:solidFill>
-                <a:effectLst/>
-                <a:latin typeface="Monaco"/>
+                  <a:srgbClr val="404040"/>
+                </a:solidFill>
+                <a:effectLst/>
+                <a:latin typeface="Helvetica Neue"/>
               </a:rPr>
               <a:t> </a:t>
             </a:r>
@@ -1141,17 +1227,17 @@
                   <a:srgbClr val="0000FF"/>
                 </a:solidFill>
                 <a:effectLst/>
-                <a:latin typeface="Monaco"/>
+                <a:latin typeface="Helvetica Neue"/>
               </a:rPr>
               <a:t>&lt;q&gt;</a:t>
             </a:r>
             <a:r>
               <a:rPr lang="en-US" b="0" i="0" dirty="0">
                 <a:solidFill>
-                  <a:srgbClr val="000000"/>
-                </a:solidFill>
-                <a:effectLst/>
-                <a:latin typeface="Monaco"/>
+                  <a:srgbClr val="404040"/>
+                </a:solidFill>
+                <a:effectLst/>
+                <a:latin typeface="Helvetica Neue"/>
               </a:rPr>
               <a:t>What is the second letter?</a:t>
             </a:r>
@@ -1161,17 +1247,17 @@
                   <a:srgbClr val="0000FF"/>
                 </a:solidFill>
                 <a:effectLst/>
-                <a:latin typeface="Monaco"/>
+                <a:latin typeface="Helvetica Neue"/>
               </a:rPr>
               <a:t>&lt;/q&gt;</a:t>
             </a:r>
             <a:r>
               <a:rPr lang="en-US" b="0" i="0" dirty="0">
                 <a:solidFill>
-                  <a:srgbClr val="000000"/>
-                </a:solidFill>
-                <a:effectLst/>
-                <a:latin typeface="Monaco"/>
+                  <a:srgbClr val="404040"/>
+                </a:solidFill>
+                <a:effectLst/>
+                <a:latin typeface="Helvetica Neue"/>
               </a:rPr>
               <a:t> </a:t>
             </a:r>
@@ -1181,7 +1267,7 @@
                   <a:srgbClr val="0000FF"/>
                 </a:solidFill>
                 <a:effectLst/>
-                <a:latin typeface="Monaco"/>
+                <a:latin typeface="Helvetica Neue"/>
               </a:rPr>
               <a:t>&lt;</a:t>
             </a:r>
@@ -1191,7 +1277,7 @@
                   <a:srgbClr val="0000FF"/>
                 </a:solidFill>
                 <a:effectLst/>
-                <a:latin typeface="Monaco"/>
+                <a:latin typeface="Helvetica Neue"/>
               </a:rPr>
               <a:t>timelimit</a:t>
             </a:r>
@@ -1201,17 +1287,17 @@
                   <a:srgbClr val="0000FF"/>
                 </a:solidFill>
                 <a:effectLst/>
-                <a:latin typeface="Monaco"/>
+                <a:latin typeface="Helvetica Neue"/>
               </a:rPr>
               <a:t>&gt;</a:t>
             </a:r>
             <a:r>
               <a:rPr lang="en-US" b="0" i="0" dirty="0">
                 <a:solidFill>
-                  <a:srgbClr val="000000"/>
-                </a:solidFill>
-                <a:effectLst/>
-                <a:latin typeface="Monaco"/>
+                  <a:srgbClr val="404040"/>
+                </a:solidFill>
+                <a:effectLst/>
+                <a:latin typeface="Helvetica Neue"/>
               </a:rPr>
               <a:t>10</a:t>
             </a:r>
@@ -1221,7 +1307,7 @@
                   <a:srgbClr val="0000FF"/>
                 </a:solidFill>
                 <a:effectLst/>
-                <a:latin typeface="Monaco"/>
+                <a:latin typeface="Helvetica Neue"/>
               </a:rPr>
               <a:t>&lt;/</a:t>
             </a:r>
@@ -1231,7 +1317,7 @@
                   <a:srgbClr val="0000FF"/>
                 </a:solidFill>
                 <a:effectLst/>
-                <a:latin typeface="Monaco"/>
+                <a:latin typeface="Helvetica Neue"/>
               </a:rPr>
               <a:t>timelimit</a:t>
             </a:r>
@@ -1241,17 +1327,17 @@
                   <a:srgbClr val="0000FF"/>
                 </a:solidFill>
                 <a:effectLst/>
-                <a:latin typeface="Monaco"/>
+                <a:latin typeface="Helvetica Neue"/>
               </a:rPr>
               <a:t>&gt;</a:t>
             </a:r>
             <a:r>
               <a:rPr lang="en-US" b="0" i="0" dirty="0">
                 <a:solidFill>
-                  <a:srgbClr val="000000"/>
-                </a:solidFill>
-                <a:effectLst/>
-                <a:latin typeface="Monaco"/>
+                  <a:srgbClr val="404040"/>
+                </a:solidFill>
+                <a:effectLst/>
+                <a:latin typeface="Helvetica Neue"/>
               </a:rPr>
               <a:t> </a:t>
             </a:r>
@@ -1261,7 +1347,7 @@
                   <a:srgbClr val="0000FF"/>
                 </a:solidFill>
                 <a:effectLst/>
-                <a:latin typeface="Monaco"/>
+                <a:latin typeface="Helvetica Neue"/>
               </a:rPr>
               <a:t>&lt;</a:t>
             </a:r>
@@ -1271,7 +1357,47 @@
                   <a:srgbClr val="0000FF"/>
                 </a:solidFill>
                 <a:effectLst/>
-                <a:latin typeface="Monaco"/>
+                <a:latin typeface="Helvetica Neue"/>
+              </a:rPr>
+              <a:t>validoptions</a:t>
+            </a:r>
+            <a:r>
+              <a:rPr lang="en-US" b="0" i="0" dirty="0">
+                <a:solidFill>
+                  <a:srgbClr val="0000FF"/>
+                </a:solidFill>
+                <a:effectLst/>
+                <a:latin typeface="Helvetica Neue"/>
+              </a:rPr>
+              <a:t>&gt;</a:t>
+            </a:r>
+            <a:r>
+              <a:rPr lang="en-US" b="0" i="0" dirty="0">
+                <a:solidFill>
+                  <a:srgbClr val="404040"/>
+                </a:solidFill>
+                <a:effectLst/>
+                <a:latin typeface="Helvetica Neue"/>
+              </a:rPr>
+              <a:t> </a:t>
+            </a:r>
+            <a:r>
+              <a:rPr lang="en-US" b="0" i="0" dirty="0">
+                <a:solidFill>
+                  <a:srgbClr val="0000FF"/>
+                </a:solidFill>
+                <a:effectLst/>
+                <a:latin typeface="Helvetica Neue"/>
+              </a:rPr>
+              <a:t>&lt;</a:t>
+            </a:r>
+            <a:r>
+              <a:rPr lang="en-US" b="0" i="0" dirty="0" err="1">
+                <a:solidFill>
+                  <a:srgbClr val="0000FF"/>
+                </a:solidFill>
+                <a:effectLst/>
+                <a:latin typeface="Helvetica Neue"/>
               </a:rPr>
               <a:t>validoption</a:t>
             </a:r>
@@ -1281,17 +1407,17 @@
                   <a:srgbClr val="0000FF"/>
                 </a:solidFill>
                 <a:effectLst/>
-                <a:latin typeface="Monaco"/>
+                <a:latin typeface="Helvetica Neue"/>
               </a:rPr>
               <a:t>&gt;</a:t>
             </a:r>
             <a:r>
               <a:rPr lang="en-US" b="0" i="0" dirty="0">
                 <a:solidFill>
-                  <a:srgbClr val="000000"/>
-                </a:solidFill>
-                <a:effectLst/>
-                <a:latin typeface="Monaco"/>
+                  <a:srgbClr val="404040"/>
+                </a:solidFill>
+                <a:effectLst/>
+                <a:latin typeface="Helvetica Neue"/>
               </a:rPr>
               <a:t>2</a:t>
             </a:r>
@@ -1301,7 +1427,7 @@
                   <a:srgbClr val="0000FF"/>
                 </a:solidFill>
                 <a:effectLst/>
-                <a:latin typeface="Monaco"/>
+                <a:latin typeface="Helvetica Neue"/>
               </a:rPr>
               <a:t>&lt;/</a:t>
             </a:r>
@@ -1311,7 +1437,7 @@
                   <a:srgbClr val="0000FF"/>
                 </a:solidFill>
                 <a:effectLst/>
-                <a:latin typeface="Monaco"/>
+                <a:latin typeface="Helvetica Neue"/>
               </a:rPr>
               <a:t>validoption</a:t>
             </a:r>
@@ -1321,17 +1447,17 @@
                   <a:srgbClr val="0000FF"/>
                 </a:solidFill>
                 <a:effectLst/>
-                <a:latin typeface="Monaco"/>
+                <a:latin typeface="Helvetica Neue"/>
               </a:rPr>
               <a:t>&gt;</a:t>
             </a:r>
             <a:r>
               <a:rPr lang="en-US" b="0" i="0" dirty="0">
                 <a:solidFill>
-                  <a:srgbClr val="000000"/>
-                </a:solidFill>
-                <a:effectLst/>
-                <a:latin typeface="Monaco"/>
+                  <a:srgbClr val="404040"/>
+                </a:solidFill>
+                <a:effectLst/>
+                <a:latin typeface="Helvetica Neue"/>
               </a:rPr>
               <a:t> </a:t>
             </a:r>
@@ -1341,17 +1467,57 @@
                   <a:srgbClr val="0000FF"/>
                 </a:solidFill>
                 <a:effectLst/>
-                <a:latin typeface="Monaco"/>
+                <a:latin typeface="Helvetica Neue"/>
+              </a:rPr>
+              <a:t>&lt;/</a:t>
+            </a:r>
+            <a:r>
+              <a:rPr lang="en-US" b="0" i="0" dirty="0" err="1">
+                <a:solidFill>
+                  <a:srgbClr val="0000FF"/>
+                </a:solidFill>
+                <a:effectLst/>
+                <a:latin typeface="Helvetica Neue"/>
+              </a:rPr>
+              <a:t>validoptions</a:t>
+            </a:r>
+            <a:r>
+              <a:rPr lang="en-US" b="0" i="0" dirty="0">
+                <a:solidFill>
+                  <a:srgbClr val="0000FF"/>
+                </a:solidFill>
+                <a:effectLst/>
+                <a:latin typeface="Helvetica Neue"/>
+              </a:rPr>
+              <a:t>&gt;</a:t>
+            </a:r>
+            <a:r>
+              <a:rPr lang="en-US" b="0" i="0" dirty="0">
+                <a:solidFill>
+                  <a:srgbClr val="404040"/>
+                </a:solidFill>
+                <a:effectLst/>
+                <a:latin typeface="Helvetica Neue"/>
+              </a:rPr>
+              <a:t> </a:t>
+            </a:r>
+            <a:r>
+              <a:rPr lang="en-US" b="0" i="0" dirty="0">
+                <a:solidFill>
+                  <a:srgbClr val="0000FF"/>
+                </a:solidFill>
+                <a:effectLst/>
+                <a:latin typeface="Helvetica Neue"/>
               </a:rPr>
               <a:t>&lt;options&gt;</a:t>
             </a:r>
             <a:r>
               <a:rPr lang="en-US" b="0" i="0" dirty="0">
                 <a:solidFill>
-                  <a:srgbClr val="000000"/>
-                </a:solidFill>
-                <a:effectLst/>
-                <a:latin typeface="Monaco"/>
+                  <a:srgbClr val="404040"/>
+                </a:solidFill>
+                <a:effectLst/>
+                <a:latin typeface="Helvetica Neue"/>
               </a:rPr>
               <a:t> </a:t>
             </a:r>
@@ -1361,17 +1527,17 @@
                   <a:srgbClr val="0000FF"/>
                 </a:solidFill>
                 <a:effectLst/>
-                <a:latin typeface="Monaco"/>
+                <a:latin typeface="Helvetica Neue"/>
               </a:rPr>
               <a:t>&lt;o&gt;</a:t>
             </a:r>
             <a:r>
               <a:rPr lang="en-US" b="0" i="0" dirty="0">
                 <a:solidFill>
-                  <a:srgbClr val="000000"/>
-                </a:solidFill>
-                <a:effectLst/>
-                <a:latin typeface="Monaco"/>
+                  <a:srgbClr val="404040"/>
+                </a:solidFill>
+                <a:effectLst/>
+                <a:latin typeface="Helvetica Neue"/>
               </a:rPr>
               <a:t>Z</a:t>
             </a:r>
@@ -1381,17 +1547,17 @@
                   <a:srgbClr val="0000FF"/>
                 </a:solidFill>
                 <a:effectLst/>
-                <a:latin typeface="Monaco"/>
+                <a:latin typeface="Helvetica Neue"/>
               </a:rPr>
               <a:t>&lt;/o&gt;</a:t>
             </a:r>
             <a:r>
               <a:rPr lang="en-US" b="0" i="0" dirty="0">
                 <a:solidFill>
-                  <a:srgbClr val="000000"/>
-                </a:solidFill>
-                <a:effectLst/>
-                <a:latin typeface="Monaco"/>
+                  <a:srgbClr val="404040"/>
+                </a:solidFill>
+                <a:effectLst/>
+                <a:latin typeface="Helvetica Neue"/>
               </a:rPr>
               <a:t> </a:t>
             </a:r>
@@ -1401,17 +1567,17 @@
                   <a:srgbClr val="0000FF"/>
                 </a:solidFill>
                 <a:effectLst/>
-                <a:latin typeface="Monaco"/>
+                <a:latin typeface="Helvetica Neue"/>
               </a:rPr>
               <a:t>&lt;o&gt;</a:t>
             </a:r>
             <a:r>
               <a:rPr lang="en-US" b="0" i="0" dirty="0">
                 <a:solidFill>
-                  <a:srgbClr val="000000"/>
-                </a:solidFill>
-                <a:effectLst/>
-                <a:latin typeface="Monaco"/>
+                  <a:srgbClr val="404040"/>
+                </a:solidFill>
+                <a:effectLst/>
+                <a:latin typeface="Helvetica Neue"/>
               </a:rPr>
               <a:t>B</a:t>
             </a:r>
@@ -1421,17 +1587,17 @@
                   <a:srgbClr val="0000FF"/>
                 </a:solidFill>
                 <a:effectLst/>
-                <a:latin typeface="Monaco"/>
+                <a:latin typeface="Helvetica Neue"/>
               </a:rPr>
               <a:t>&lt;/o&gt;</a:t>
             </a:r>
             <a:r>
               <a:rPr lang="en-US" b="0" i="0" dirty="0">
                 <a:solidFill>
-                  <a:srgbClr val="000000"/>
-                </a:solidFill>
-                <a:effectLst/>
-                <a:latin typeface="Monaco"/>
+                  <a:srgbClr val="404040"/>
+                </a:solidFill>
+                <a:effectLst/>
+                <a:latin typeface="Helvetica Neue"/>
               </a:rPr>
               <a:t> </a:t>
             </a:r>
@@ -1441,17 +1607,17 @@
                   <a:srgbClr val="0000FF"/>
                 </a:solidFill>
                 <a:effectLst/>
-                <a:latin typeface="Monaco"/>
+                <a:latin typeface="Helvetica Neue"/>
               </a:rPr>
               <a:t>&lt;o&gt;</a:t>
             </a:r>
             <a:r>
               <a:rPr lang="en-US" b="0" i="0" dirty="0">
                 <a:solidFill>
-                  <a:srgbClr val="000000"/>
-                </a:solidFill>
-                <a:effectLst/>
-                <a:latin typeface="Monaco"/>
+                  <a:srgbClr val="404040"/>
+                </a:solidFill>
+                <a:effectLst/>
+                <a:latin typeface="Helvetica Neue"/>
               </a:rPr>
               <a:t>O</a:t>
             </a:r>
@@ -1461,17 +1627,17 @@
                   <a:srgbClr val="0000FF"/>
                 </a:solidFill>
                 <a:effectLst/>
-                <a:latin typeface="Monaco"/>
+                <a:latin typeface="Helvetica Neue"/>
               </a:rPr>
               <a:t>&lt;/o&gt;</a:t>
             </a:r>
             <a:r>
               <a:rPr lang="en-US" b="0" i="0" dirty="0">
                 <a:solidFill>
-                  <a:srgbClr val="000000"/>
-                </a:solidFill>
-                <a:effectLst/>
-                <a:latin typeface="Monaco"/>
+                  <a:srgbClr val="404040"/>
+                </a:solidFill>
+                <a:effectLst/>
+                <a:latin typeface="Helvetica Neue"/>
               </a:rPr>
               <a:t> </a:t>
             </a:r>
@@ -1481,17 +1647,17 @@
                   <a:srgbClr val="0000FF"/>
                 </a:solidFill>
                 <a:effectLst/>
-                <a:latin typeface="Monaco"/>
+                <a:latin typeface="Helvetica Neue"/>
               </a:rPr>
               <a:t>&lt;/options&gt;</a:t>
             </a:r>
             <a:r>
               <a:rPr lang="en-US" b="0" i="0" dirty="0">
                 <a:solidFill>
-                  <a:srgbClr val="000000"/>
-                </a:solidFill>
-                <a:effectLst/>
-                <a:latin typeface="Monaco"/>
+                  <a:srgbClr val="404040"/>
+                </a:solidFill>
+                <a:effectLst/>
+                <a:latin typeface="Helvetica Neue"/>
               </a:rPr>
               <a:t> </a:t>
             </a:r>
@@ -1501,17 +1667,17 @@
                   <a:srgbClr val="0000FF"/>
                 </a:solidFill>
                 <a:effectLst/>
-                <a:latin typeface="Monaco"/>
+                <a:latin typeface="Helvetica Neue"/>
               </a:rPr>
               <a:t>&lt;/question&gt;</a:t>
             </a:r>
             <a:r>
               <a:rPr lang="en-US" b="0" i="0" dirty="0">
                 <a:solidFill>
-                  <a:srgbClr val="000000"/>
-                </a:solidFill>
-                <a:effectLst/>
-                <a:latin typeface="Monaco"/>
+                  <a:srgbClr val="404040"/>
+                </a:solidFill>
+                <a:effectLst/>
+                <a:latin typeface="Helvetica Neue"/>
               </a:rPr>
               <a:t> </a:t>
             </a:r>
@@ -1521,17 +1687,17 @@
                   <a:srgbClr val="0000FF"/>
                 </a:solidFill>
                 <a:effectLst/>
-                <a:latin typeface="Monaco"/>
+                <a:latin typeface="Helvetica Neue"/>
               </a:rPr>
               <a:t>&lt;question&gt;</a:t>
             </a:r>
             <a:r>
               <a:rPr lang="en-US" b="0" i="0" dirty="0">
                 <a:solidFill>
-                  <a:srgbClr val="000000"/>
-                </a:solidFill>
-                <a:effectLst/>
-                <a:latin typeface="Monaco"/>
+                  <a:srgbClr val="404040"/>
+                </a:solidFill>
+                <a:effectLst/>
+                <a:latin typeface="Helvetica Neue"/>
               </a:rPr>
               <a:t> </a:t>
             </a:r>
@@ -1541,17 +1707,17 @@
                   <a:srgbClr val="0000FF"/>
                 </a:solidFill>
                 <a:effectLst/>
-                <a:latin typeface="Monaco"/>
+                <a:latin typeface="Helvetica Neue"/>
               </a:rPr>
               <a:t>&lt;q&gt;</a:t>
             </a:r>
             <a:r>
               <a:rPr lang="en-US" b="0" i="0" dirty="0">
                 <a:solidFill>
-                  <a:srgbClr val="000000"/>
-                </a:solidFill>
-                <a:effectLst/>
-                <a:latin typeface="Monaco"/>
+                  <a:srgbClr val="404040"/>
+                </a:solidFill>
+                <a:effectLst/>
+                <a:latin typeface="Helvetica Neue"/>
               </a:rPr>
               <a:t>What is the Last letter?</a:t>
             </a:r>
@@ -1561,17 +1727,17 @@
                   <a:srgbClr val="0000FF"/>
                 </a:solidFill>
                 <a:effectLst/>
-                <a:latin typeface="Monaco"/>
+                <a:latin typeface="Helvetica Neue"/>
               </a:rPr>
               <a:t>&lt;/q&gt;</a:t>
             </a:r>
             <a:r>
               <a:rPr lang="en-US" b="0" i="0" dirty="0">
                 <a:solidFill>
-                  <a:srgbClr val="000000"/>
-                </a:solidFill>
-                <a:effectLst/>
-                <a:latin typeface="Monaco"/>
+                  <a:srgbClr val="404040"/>
+                </a:solidFill>
+                <a:effectLst/>
+                <a:latin typeface="Helvetica Neue"/>
               </a:rPr>
               <a:t> </a:t>
             </a:r>
@@ -1581,7 +1747,7 @@
                   <a:srgbClr val="0000FF"/>
                 </a:solidFill>
                 <a:effectLst/>
-                <a:latin typeface="Monaco"/>
+                <a:latin typeface="Helvetica Neue"/>
               </a:rPr>
               <a:t>&lt;</a:t>
             </a:r>
@@ -1591,7 +1757,7 @@
                   <a:srgbClr val="0000FF"/>
                 </a:solidFill>
                 <a:effectLst/>
-                <a:latin typeface="Monaco"/>
+                <a:latin typeface="Helvetica Neue"/>
               </a:rPr>
               <a:t>timelimit</a:t>
             </a:r>
@@ -1601,17 +1767,17 @@
                   <a:srgbClr val="0000FF"/>
                 </a:solidFill>
                 <a:effectLst/>
-                <a:latin typeface="Monaco"/>
+                <a:latin typeface="Helvetica Neue"/>
               </a:rPr>
               <a:t>&gt;</a:t>
             </a:r>
             <a:r>
               <a:rPr lang="en-US" b="0" i="0" dirty="0">
                 <a:solidFill>
-                  <a:srgbClr val="000000"/>
-                </a:solidFill>
-                <a:effectLst/>
-                <a:latin typeface="Monaco"/>
+                  <a:srgbClr val="404040"/>
+                </a:solidFill>
+                <a:effectLst/>
+                <a:latin typeface="Helvetica Neue"/>
               </a:rPr>
               <a:t>50</a:t>
             </a:r>
@@ -1621,7 +1787,7 @@
                   <a:srgbClr val="0000FF"/>
                 </a:solidFill>
                 <a:effectLst/>
-                <a:latin typeface="Monaco"/>
+                <a:latin typeface="Helvetica Neue"/>
               </a:rPr>
               <a:t>&lt;/</a:t>
             </a:r>
@@ -1631,7 +1797,7 @@
                   <a:srgbClr val="0000FF"/>
                 </a:solidFill>
                 <a:effectLst/>
-                <a:latin typeface="Monaco"/>
+                <a:latin typeface="Helvetica Neue"/>
               </a:rPr>
               <a:t>timelimit</a:t>
             </a:r>
@@ -1641,17 +1807,17 @@
                   <a:srgbClr val="0000FF"/>
                 </a:solidFill>
                 <a:effectLst/>
-                <a:latin typeface="Monaco"/>
+                <a:latin typeface="Helvetica Neue"/>
               </a:rPr>
               <a:t>&gt;</a:t>
             </a:r>
             <a:r>
               <a:rPr lang="en-US" b="0" i="0" dirty="0">
                 <a:solidFill>
-                  <a:srgbClr val="000000"/>
-                </a:solidFill>
-                <a:effectLst/>
-                <a:latin typeface="Monaco"/>
+                  <a:srgbClr val="404040"/>
+                </a:solidFill>
+                <a:effectLst/>
+                <a:latin typeface="Helvetica Neue"/>
               </a:rPr>
               <a:t> </a:t>
             </a:r>
@@ -1661,7 +1827,7 @@
                   <a:srgbClr val="0000FF"/>
                 </a:solidFill>
                 <a:effectLst/>
-                <a:latin typeface="Monaco"/>
+                <a:latin typeface="Helvetica Neue"/>
               </a:rPr>
               <a:t>&lt;</a:t>
             </a:r>
@@ -1671,7 +1837,47 @@
                   <a:srgbClr val="0000FF"/>
                 </a:solidFill>
                 <a:effectLst/>
-                <a:latin typeface="Monaco"/>
+                <a:latin typeface="Helvetica Neue"/>
+              </a:rPr>
+              <a:t>validoptions</a:t>
+            </a:r>
+            <a:r>
+              <a:rPr lang="en-US" b="0" i="0" dirty="0">
+                <a:solidFill>
+                  <a:srgbClr val="0000FF"/>
+                </a:solidFill>
+                <a:effectLst/>
+                <a:latin typeface="Helvetica Neue"/>
+              </a:rPr>
+              <a:t>&gt;</a:t>
+            </a:r>
+            <a:r>
+              <a:rPr lang="en-US" b="0" i="0" dirty="0">
+                <a:solidFill>
+                  <a:srgbClr val="404040"/>
+                </a:solidFill>
+                <a:effectLst/>
+                <a:latin typeface="Helvetica Neue"/>
+              </a:rPr>
+              <a:t> </a:t>
+            </a:r>
+            <a:r>
+              <a:rPr lang="en-US" b="0" i="0" dirty="0">
+                <a:solidFill>
+                  <a:srgbClr val="0000FF"/>
+                </a:solidFill>
+                <a:effectLst/>
+                <a:latin typeface="Helvetica Neue"/>
+              </a:rPr>
+              <a:t>&lt;</a:t>
+            </a:r>
+            <a:r>
+              <a:rPr lang="en-US" b="0" i="0" dirty="0" err="1">
+                <a:solidFill>
+                  <a:srgbClr val="0000FF"/>
+                </a:solidFill>
+                <a:effectLst/>
+                <a:latin typeface="Helvetica Neue"/>
               </a:rPr>
               <a:t>validoption</a:t>
             </a:r>
@@ -1681,17 +1887,17 @@
                   <a:srgbClr val="0000FF"/>
                 </a:solidFill>
                 <a:effectLst/>
-                <a:latin typeface="Monaco"/>
+                <a:latin typeface="Helvetica Neue"/>
               </a:rPr>
               <a:t>&gt;</a:t>
             </a:r>
             <a:r>
               <a:rPr lang="en-US" b="0" i="0" dirty="0">
                 <a:solidFill>
-                  <a:srgbClr val="000000"/>
-                </a:solidFill>
-                <a:effectLst/>
-                <a:latin typeface="Monaco"/>
+                  <a:srgbClr val="404040"/>
+                </a:solidFill>
+                <a:effectLst/>
+                <a:latin typeface="Helvetica Neue"/>
               </a:rPr>
               <a:t>1</a:t>
             </a:r>
@@ -1701,7 +1907,7 @@
                   <a:srgbClr val="0000FF"/>
                 </a:solidFill>
                 <a:effectLst/>
-                <a:latin typeface="Monaco"/>
+                <a:latin typeface="Helvetica Neue"/>
               </a:rPr>
               <a:t>&lt;/</a:t>
             </a:r>
@@ -1711,7 +1917,7 @@
                   <a:srgbClr val="0000FF"/>
                 </a:solidFill>
                 <a:effectLst/>
-                <a:latin typeface="Monaco"/>
+                <a:latin typeface="Helvetica Neue"/>
               </a:rPr>
               <a:t>validoption</a:t>
             </a:r>
@@ -1721,17 +1927,17 @@
                   <a:srgbClr val="0000FF"/>
                 </a:solidFill>
                 <a:effectLst/>
-                <a:latin typeface="Monaco"/>
+                <a:latin typeface="Helvetica Neue"/>
               </a:rPr>
               <a:t>&gt;</a:t>
             </a:r>
             <a:r>
               <a:rPr lang="en-US" b="0" i="0" dirty="0">
                 <a:solidFill>
-                  <a:srgbClr val="000000"/>
-                </a:solidFill>
-                <a:effectLst/>
-                <a:latin typeface="Monaco"/>
+                  <a:srgbClr val="404040"/>
+                </a:solidFill>
+                <a:effectLst/>
+                <a:latin typeface="Helvetica Neue"/>
               </a:rPr>
               <a:t> </a:t>
             </a:r>
@@ -1741,17 +1947,57 @@
                   <a:srgbClr val="0000FF"/>
                 </a:solidFill>
                 <a:effectLst/>
-                <a:latin typeface="Monaco"/>
+                <a:latin typeface="Helvetica Neue"/>
+              </a:rPr>
+              <a:t>&lt;/</a:t>
+            </a:r>
+            <a:r>
+              <a:rPr lang="en-US" b="0" i="0" dirty="0" err="1">
+                <a:solidFill>
+                  <a:srgbClr val="0000FF"/>
+                </a:solidFill>
+                <a:effectLst/>
+                <a:latin typeface="Helvetica Neue"/>
+              </a:rPr>
+              <a:t>validoptions</a:t>
+            </a:r>
+            <a:r>
+              <a:rPr lang="en-US" b="0" i="0" dirty="0">
+                <a:solidFill>
+                  <a:srgbClr val="0000FF"/>
+                </a:solidFill>
+                <a:effectLst/>
+                <a:latin typeface="Helvetica Neue"/>
+              </a:rPr>
+              <a:t>&gt;</a:t>
+            </a:r>
+            <a:r>
+              <a:rPr lang="en-US" b="0" i="0" dirty="0">
+                <a:solidFill>
+                  <a:srgbClr val="404040"/>
+                </a:solidFill>
+                <a:effectLst/>
+                <a:latin typeface="Helvetica Neue"/>
+              </a:rPr>
+              <a:t> </a:t>
+            </a:r>
+            <a:r>
+              <a:rPr lang="en-US" b="0" i="0" dirty="0">
+                <a:solidFill>
+                  <a:srgbClr val="0000FF"/>
+                </a:solidFill>
+                <a:effectLst/>
+                <a:latin typeface="Helvetica Neue"/>
               </a:rPr>
               <a:t>&lt;options&gt;</a:t>
             </a:r>
             <a:r>
               <a:rPr lang="en-US" b="0" i="0" dirty="0">
                 <a:solidFill>
-                  <a:srgbClr val="000000"/>
-                </a:solidFill>
-                <a:effectLst/>
-                <a:latin typeface="Monaco"/>
+                  <a:srgbClr val="404040"/>
+                </a:solidFill>
+                <a:effectLst/>
+                <a:latin typeface="Helvetica Neue"/>
               </a:rPr>
               <a:t> </a:t>
             </a:r>
@@ -1761,17 +2007,17 @@
                   <a:srgbClr val="0000FF"/>
                 </a:solidFill>
                 <a:effectLst/>
-                <a:latin typeface="Monaco"/>
+                <a:latin typeface="Helvetica Neue"/>
               </a:rPr>
               <a:t>&lt;o&gt;</a:t>
             </a:r>
             <a:r>
               <a:rPr lang="en-US" b="0" i="0" dirty="0">
                 <a:solidFill>
-                  <a:srgbClr val="000000"/>
-                </a:solidFill>
-                <a:effectLst/>
-                <a:latin typeface="Monaco"/>
+                  <a:srgbClr val="404040"/>
+                </a:solidFill>
+                <a:effectLst/>
+                <a:latin typeface="Helvetica Neue"/>
               </a:rPr>
               <a:t>Z</a:t>
             </a:r>
@@ -1781,17 +2027,17 @@
                   <a:srgbClr val="0000FF"/>
                 </a:solidFill>
                 <a:effectLst/>
-                <a:latin typeface="Monaco"/>
+                <a:latin typeface="Helvetica Neue"/>
               </a:rPr>
               <a:t>&lt;/o&gt;</a:t>
             </a:r>
             <a:r>
               <a:rPr lang="en-US" b="0" i="0" dirty="0">
                 <a:solidFill>
-                  <a:srgbClr val="000000"/>
-                </a:solidFill>
-                <a:effectLst/>
-                <a:latin typeface="Monaco"/>
+                  <a:srgbClr val="404040"/>
+                </a:solidFill>
+                <a:effectLst/>
+                <a:latin typeface="Helvetica Neue"/>
               </a:rPr>
               <a:t> </a:t>
             </a:r>
@@ -1801,17 +2047,17 @@
                   <a:srgbClr val="0000FF"/>
                 </a:solidFill>
                 <a:effectLst/>
-                <a:latin typeface="Monaco"/>
+                <a:latin typeface="Helvetica Neue"/>
               </a:rPr>
               <a:t>&lt;o&gt;</a:t>
             </a:r>
             <a:r>
               <a:rPr lang="en-US" b="0" i="0" dirty="0">
                 <a:solidFill>
-                  <a:srgbClr val="000000"/>
-                </a:solidFill>
-                <a:effectLst/>
-                <a:latin typeface="Monaco"/>
+                  <a:srgbClr val="404040"/>
+                </a:solidFill>
+                <a:effectLst/>
+                <a:latin typeface="Helvetica Neue"/>
               </a:rPr>
               <a:t>B</a:t>
             </a:r>
@@ -1821,17 +2067,17 @@
                   <a:srgbClr val="0000FF"/>
                 </a:solidFill>
                 <a:effectLst/>
-                <a:latin typeface="Monaco"/>
+                <a:latin typeface="Helvetica Neue"/>
               </a:rPr>
               <a:t>&lt;/o&gt;</a:t>
             </a:r>
             <a:r>
               <a:rPr lang="en-US" b="0" i="0" dirty="0">
                 <a:solidFill>
-                  <a:srgbClr val="000000"/>
-                </a:solidFill>
-                <a:effectLst/>
-                <a:latin typeface="Monaco"/>
+                  <a:srgbClr val="404040"/>
+                </a:solidFill>
+                <a:effectLst/>
+                <a:latin typeface="Helvetica Neue"/>
               </a:rPr>
               <a:t> </a:t>
             </a:r>
@@ -1841,17 +2087,17 @@
                   <a:srgbClr val="0000FF"/>
                 </a:solidFill>
                 <a:effectLst/>
-                <a:latin typeface="Monaco"/>
+                <a:latin typeface="Helvetica Neue"/>
               </a:rPr>
               <a:t>&lt;o&gt;</a:t>
             </a:r>
             <a:r>
               <a:rPr lang="en-US" b="0" i="0" dirty="0">
                 <a:solidFill>
-                  <a:srgbClr val="000000"/>
-                </a:solidFill>
-                <a:effectLst/>
-                <a:latin typeface="Monaco"/>
+                  <a:srgbClr val="404040"/>
+                </a:solidFill>
+                <a:effectLst/>
+                <a:latin typeface="Helvetica Neue"/>
               </a:rPr>
               <a:t>O</a:t>
             </a:r>
@@ -1861,17 +2107,17 @@
                   <a:srgbClr val="0000FF"/>
                 </a:solidFill>
                 <a:effectLst/>
-                <a:latin typeface="Monaco"/>
+                <a:latin typeface="Helvetica Neue"/>
               </a:rPr>
               <a:t>&lt;/o&gt;</a:t>
             </a:r>
             <a:r>
               <a:rPr lang="en-US" b="0" i="0" dirty="0">
                 <a:solidFill>
-                  <a:srgbClr val="000000"/>
-                </a:solidFill>
-                <a:effectLst/>
-                <a:latin typeface="Monaco"/>
+                  <a:srgbClr val="404040"/>
+                </a:solidFill>
+                <a:effectLst/>
+                <a:latin typeface="Helvetica Neue"/>
               </a:rPr>
               <a:t> </a:t>
             </a:r>
@@ -1881,17 +2127,17 @@
                   <a:srgbClr val="0000FF"/>
                 </a:solidFill>
                 <a:effectLst/>
-                <a:latin typeface="Monaco"/>
+                <a:latin typeface="Helvetica Neue"/>
               </a:rPr>
               <a:t>&lt;/options&gt;</a:t>
             </a:r>
             <a:r>
               <a:rPr lang="en-US" b="0" i="0" dirty="0">
                 <a:solidFill>
-                  <a:srgbClr val="000000"/>
-                </a:solidFill>
-                <a:effectLst/>
-                <a:latin typeface="Monaco"/>
+                  <a:srgbClr val="404040"/>
+                </a:solidFill>
+                <a:effectLst/>
+                <a:latin typeface="Helvetica Neue"/>
               </a:rPr>
               <a:t> </a:t>
             </a:r>
@@ -1901,17 +2147,17 @@
                   <a:srgbClr val="0000FF"/>
                 </a:solidFill>
                 <a:effectLst/>
-                <a:latin typeface="Monaco"/>
+                <a:latin typeface="Helvetica Neue"/>
               </a:rPr>
               <a:t>&lt;/question&gt;</a:t>
             </a:r>
             <a:r>
               <a:rPr lang="en-US" b="0" i="0" dirty="0">
                 <a:solidFill>
-                  <a:srgbClr val="000000"/>
-                </a:solidFill>
-                <a:effectLst/>
-                <a:latin typeface="Monaco"/>
+                  <a:srgbClr val="404040"/>
+                </a:solidFill>
+                <a:effectLst/>
+                <a:latin typeface="Helvetica Neue"/>
               </a:rPr>
               <a:t> </a:t>
             </a:r>
@@ -1921,17 +2167,17 @@
                   <a:srgbClr val="0000FF"/>
                 </a:solidFill>
                 <a:effectLst/>
-                <a:latin typeface="Monaco"/>
+                <a:latin typeface="Helvetica Neue"/>
               </a:rPr>
               <a:t>&lt;/questions&gt;</a:t>
             </a:r>
             <a:r>
               <a:rPr lang="en-US" b="0" i="0" dirty="0">
                 <a:solidFill>
-                  <a:srgbClr val="000000"/>
-                </a:solidFill>
-                <a:effectLst/>
-                <a:latin typeface="Monaco"/>
+                  <a:srgbClr val="404040"/>
+                </a:solidFill>
+                <a:effectLst/>
+                <a:latin typeface="Helvetica Neue"/>
               </a:rPr>
               <a:t> </a:t>
             </a:r>
@@ -1941,10 +2187,25 @@
                   <a:srgbClr val="0000FF"/>
                 </a:solidFill>
                 <a:effectLst/>
-                <a:latin typeface="Monaco"/>
+                <a:latin typeface="Helvetica Neue"/>
               </a:rPr>
               <a:t>&lt;/survey&gt;</a:t>
             </a:r>
+            <a:r>
+              <a:rPr lang="en-US" b="0" i="0" dirty="0">
+                <a:solidFill>
+                  <a:srgbClr val="404040"/>
+                </a:solidFill>
+                <a:effectLst/>
+                <a:latin typeface="Helvetica Neue"/>
+              </a:rPr>
+              <a:t> </a:t>
+            </a:r>
+          </a:p>
+          <a:p>
+            <a:br>
+              <a:rPr lang="en-US" dirty="0"/>
+            </a:br>
             <a:endParaRPr lang="en-US" dirty="0"/>
           </a:p>
         </p:txBody>
